--- a/YutGame/src/doc/YutGame-김용원(20230629).pptx
+++ b/YutGame/src/doc/YutGame-김용원(20230629).pptx
@@ -5,15 +5,19 @@
     <p:sldMasterId id="2147483648" r:id="rId1"/>
   </p:sldMasterIdLst>
   <p:sldIdLst>
-    <p:sldId id="272" r:id="rId2"/>
-    <p:sldId id="276" r:id="rId3"/>
-    <p:sldId id="277" r:id="rId4"/>
-    <p:sldId id="278" r:id="rId5"/>
-    <p:sldId id="279" r:id="rId6"/>
-    <p:sldId id="280" r:id="rId7"/>
-    <p:sldId id="281" r:id="rId8"/>
-    <p:sldId id="282" r:id="rId9"/>
-    <p:sldId id="273" r:id="rId10"/>
+    <p:sldId id="283" r:id="rId2"/>
+    <p:sldId id="284" r:id="rId3"/>
+    <p:sldId id="285" r:id="rId4"/>
+    <p:sldId id="287" r:id="rId5"/>
+    <p:sldId id="288" r:id="rId6"/>
+    <p:sldId id="289" r:id="rId7"/>
+    <p:sldId id="290" r:id="rId8"/>
+    <p:sldId id="291" r:id="rId9"/>
+    <p:sldId id="292" r:id="rId10"/>
+    <p:sldId id="294" r:id="rId11"/>
+    <p:sldId id="295" r:id="rId12"/>
+    <p:sldId id="296" r:id="rId13"/>
+    <p:sldId id="297" r:id="rId14"/>
   </p:sldIdLst>
   <p:sldSz cx="12192000" cy="6858000"/>
   <p:notesSz cx="6858000" cy="9144000"/>
@@ -3336,10 +3340,10 @@
       </p:grpSpPr>
       <p:pic>
         <p:nvPicPr>
-          <p:cNvPr id="3" name="그림 2">
-            <a:extLst>
-              <a:ext uri="{FF2B5EF4-FFF2-40B4-BE49-F238E27FC236}">
-                <a16:creationId xmlns:a16="http://schemas.microsoft.com/office/drawing/2014/main" id="{D3311C20-E425-48BC-A4EE-5217EC7737E1}"/>
+          <p:cNvPr id="7" name="그림 6">
+            <a:extLst>
+              <a:ext uri="{FF2B5EF4-FFF2-40B4-BE49-F238E27FC236}">
+                <a16:creationId xmlns:a16="http://schemas.microsoft.com/office/drawing/2014/main" id="{0CE2C05C-35C4-4726-8A41-21BD595802AC}"/>
               </a:ext>
             </a:extLst>
           </p:cNvPr>
@@ -3367,7 +3371,247 @@
     </p:spTree>
     <p:extLst>
       <p:ext uri="{BB962C8B-B14F-4D97-AF65-F5344CB8AC3E}">
-        <p14:creationId xmlns:p14="http://schemas.microsoft.com/office/powerpoint/2010/main" val="688323231"/>
+        <p14:creationId xmlns:p14="http://schemas.microsoft.com/office/powerpoint/2010/main" val="2046737187"/>
+      </p:ext>
+    </p:extLst>
+  </p:cSld>
+  <p:clrMapOvr>
+    <a:masterClrMapping/>
+  </p:clrMapOvr>
+</p:sld>
+</file>
+
+<file path=ppt/slides/slide10.xml><?xml version="1.0" encoding="utf-8"?>
+<p:sld xmlns:a="http://schemas.openxmlformats.org/drawingml/2006/main" xmlns:r="http://schemas.openxmlformats.org/officeDocument/2006/relationships" xmlns:p="http://schemas.openxmlformats.org/presentationml/2006/main">
+  <p:cSld>
+    <p:spTree>
+      <p:nvGrpSpPr>
+        <p:cNvPr id="1" name=""/>
+        <p:cNvGrpSpPr/>
+        <p:nvPr/>
+      </p:nvGrpSpPr>
+      <p:grpSpPr>
+        <a:xfrm>
+          <a:off x="0" y="0"/>
+          <a:ext cx="0" cy="0"/>
+          <a:chOff x="0" y="0"/>
+          <a:chExt cx="0" cy="0"/>
+        </a:xfrm>
+      </p:grpSpPr>
+      <p:pic>
+        <p:nvPicPr>
+          <p:cNvPr id="3" name="그림 2">
+            <a:extLst>
+              <a:ext uri="{FF2B5EF4-FFF2-40B4-BE49-F238E27FC236}">
+                <a16:creationId xmlns:a16="http://schemas.microsoft.com/office/drawing/2014/main" id="{1C00CB66-A180-4B61-94DB-8E9366198450}"/>
+              </a:ext>
+            </a:extLst>
+          </p:cNvPr>
+          <p:cNvPicPr>
+            <a:picLocks noChangeAspect="1"/>
+          </p:cNvPicPr>
+          <p:nvPr/>
+        </p:nvPicPr>
+        <p:blipFill>
+          <a:blip r:embed="rId2"/>
+          <a:stretch>
+            <a:fillRect/>
+          </a:stretch>
+        </p:blipFill>
+        <p:spPr>
+          <a:xfrm>
+            <a:off x="0" y="0"/>
+            <a:ext cx="12192000" cy="6858000"/>
+          </a:xfrm>
+          <a:prstGeom prst="rect">
+            <a:avLst/>
+          </a:prstGeom>
+        </p:spPr>
+      </p:pic>
+    </p:spTree>
+    <p:extLst>
+      <p:ext uri="{BB962C8B-B14F-4D97-AF65-F5344CB8AC3E}">
+        <p14:creationId xmlns:p14="http://schemas.microsoft.com/office/powerpoint/2010/main" val="3433054083"/>
+      </p:ext>
+    </p:extLst>
+  </p:cSld>
+  <p:clrMapOvr>
+    <a:masterClrMapping/>
+  </p:clrMapOvr>
+</p:sld>
+</file>
+
+<file path=ppt/slides/slide11.xml><?xml version="1.0" encoding="utf-8"?>
+<p:sld xmlns:a="http://schemas.openxmlformats.org/drawingml/2006/main" xmlns:r="http://schemas.openxmlformats.org/officeDocument/2006/relationships" xmlns:p="http://schemas.openxmlformats.org/presentationml/2006/main">
+  <p:cSld>
+    <p:spTree>
+      <p:nvGrpSpPr>
+        <p:cNvPr id="1" name=""/>
+        <p:cNvGrpSpPr/>
+        <p:nvPr/>
+      </p:nvGrpSpPr>
+      <p:grpSpPr>
+        <a:xfrm>
+          <a:off x="0" y="0"/>
+          <a:ext cx="0" cy="0"/>
+          <a:chOff x="0" y="0"/>
+          <a:chExt cx="0" cy="0"/>
+        </a:xfrm>
+      </p:grpSpPr>
+      <p:pic>
+        <p:nvPicPr>
+          <p:cNvPr id="5" name="그림 4">
+            <a:extLst>
+              <a:ext uri="{FF2B5EF4-FFF2-40B4-BE49-F238E27FC236}">
+                <a16:creationId xmlns:a16="http://schemas.microsoft.com/office/drawing/2014/main" id="{F0D064F7-35FE-44C5-8640-1B60A31DA9F3}"/>
+              </a:ext>
+            </a:extLst>
+          </p:cNvPr>
+          <p:cNvPicPr>
+            <a:picLocks noChangeAspect="1"/>
+          </p:cNvPicPr>
+          <p:nvPr/>
+        </p:nvPicPr>
+        <p:blipFill>
+          <a:blip r:embed="rId2"/>
+          <a:stretch>
+            <a:fillRect/>
+          </a:stretch>
+        </p:blipFill>
+        <p:spPr>
+          <a:xfrm>
+            <a:off x="0" y="0"/>
+            <a:ext cx="12192000" cy="6858000"/>
+          </a:xfrm>
+          <a:prstGeom prst="rect">
+            <a:avLst/>
+          </a:prstGeom>
+        </p:spPr>
+      </p:pic>
+    </p:spTree>
+    <p:extLst>
+      <p:ext uri="{BB962C8B-B14F-4D97-AF65-F5344CB8AC3E}">
+        <p14:creationId xmlns:p14="http://schemas.microsoft.com/office/powerpoint/2010/main" val="534944652"/>
+      </p:ext>
+    </p:extLst>
+  </p:cSld>
+  <p:clrMapOvr>
+    <a:masterClrMapping/>
+  </p:clrMapOvr>
+</p:sld>
+</file>
+
+<file path=ppt/slides/slide12.xml><?xml version="1.0" encoding="utf-8"?>
+<p:sld xmlns:a="http://schemas.openxmlformats.org/drawingml/2006/main" xmlns:r="http://schemas.openxmlformats.org/officeDocument/2006/relationships" xmlns:p="http://schemas.openxmlformats.org/presentationml/2006/main">
+  <p:cSld>
+    <p:spTree>
+      <p:nvGrpSpPr>
+        <p:cNvPr id="1" name=""/>
+        <p:cNvGrpSpPr/>
+        <p:nvPr/>
+      </p:nvGrpSpPr>
+      <p:grpSpPr>
+        <a:xfrm>
+          <a:off x="0" y="0"/>
+          <a:ext cx="0" cy="0"/>
+          <a:chOff x="0" y="0"/>
+          <a:chExt cx="0" cy="0"/>
+        </a:xfrm>
+      </p:grpSpPr>
+      <p:pic>
+        <p:nvPicPr>
+          <p:cNvPr id="3" name="그림 2">
+            <a:extLst>
+              <a:ext uri="{FF2B5EF4-FFF2-40B4-BE49-F238E27FC236}">
+                <a16:creationId xmlns:a16="http://schemas.microsoft.com/office/drawing/2014/main" id="{CD54C315-DD62-4C5B-9871-F1BA3BA37F29}"/>
+              </a:ext>
+            </a:extLst>
+          </p:cNvPr>
+          <p:cNvPicPr>
+            <a:picLocks noChangeAspect="1"/>
+          </p:cNvPicPr>
+          <p:nvPr/>
+        </p:nvPicPr>
+        <p:blipFill>
+          <a:blip r:embed="rId2"/>
+          <a:stretch>
+            <a:fillRect/>
+          </a:stretch>
+        </p:blipFill>
+        <p:spPr>
+          <a:xfrm>
+            <a:off x="0" y="0"/>
+            <a:ext cx="12192000" cy="6858000"/>
+          </a:xfrm>
+          <a:prstGeom prst="rect">
+            <a:avLst/>
+          </a:prstGeom>
+        </p:spPr>
+      </p:pic>
+    </p:spTree>
+    <p:extLst>
+      <p:ext uri="{BB962C8B-B14F-4D97-AF65-F5344CB8AC3E}">
+        <p14:creationId xmlns:p14="http://schemas.microsoft.com/office/powerpoint/2010/main" val="400830773"/>
+      </p:ext>
+    </p:extLst>
+  </p:cSld>
+  <p:clrMapOvr>
+    <a:masterClrMapping/>
+  </p:clrMapOvr>
+</p:sld>
+</file>
+
+<file path=ppt/slides/slide13.xml><?xml version="1.0" encoding="utf-8"?>
+<p:sld xmlns:a="http://schemas.openxmlformats.org/drawingml/2006/main" xmlns:r="http://schemas.openxmlformats.org/officeDocument/2006/relationships" xmlns:p="http://schemas.openxmlformats.org/presentationml/2006/main">
+  <p:cSld>
+    <p:spTree>
+      <p:nvGrpSpPr>
+        <p:cNvPr id="1" name=""/>
+        <p:cNvGrpSpPr/>
+        <p:nvPr/>
+      </p:nvGrpSpPr>
+      <p:grpSpPr>
+        <a:xfrm>
+          <a:off x="0" y="0"/>
+          <a:ext cx="0" cy="0"/>
+          <a:chOff x="0" y="0"/>
+          <a:chExt cx="0" cy="0"/>
+        </a:xfrm>
+      </p:grpSpPr>
+      <p:pic>
+        <p:nvPicPr>
+          <p:cNvPr id="7" name="그림 6">
+            <a:extLst>
+              <a:ext uri="{FF2B5EF4-FFF2-40B4-BE49-F238E27FC236}">
+                <a16:creationId xmlns:a16="http://schemas.microsoft.com/office/drawing/2014/main" id="{2EA7FCF5-68F8-4FF1-92AE-3B10D40CE9B4}"/>
+              </a:ext>
+            </a:extLst>
+          </p:cNvPr>
+          <p:cNvPicPr>
+            <a:picLocks noChangeAspect="1"/>
+          </p:cNvPicPr>
+          <p:nvPr/>
+        </p:nvPicPr>
+        <p:blipFill>
+          <a:blip r:embed="rId2"/>
+          <a:stretch>
+            <a:fillRect/>
+          </a:stretch>
+        </p:blipFill>
+        <p:spPr>
+          <a:xfrm>
+            <a:off x="0" y="0"/>
+            <a:ext cx="12192000" cy="6858000"/>
+          </a:xfrm>
+          <a:prstGeom prst="rect">
+            <a:avLst/>
+          </a:prstGeom>
+        </p:spPr>
+      </p:pic>
+    </p:spTree>
+    <p:extLst>
+      <p:ext uri="{BB962C8B-B14F-4D97-AF65-F5344CB8AC3E}">
+        <p14:creationId xmlns:p14="http://schemas.microsoft.com/office/powerpoint/2010/main" val="2040632647"/>
       </p:ext>
     </p:extLst>
   </p:cSld>
@@ -3399,7 +3643,7 @@
           <p:cNvPr id="3" name="그림 2">
             <a:extLst>
               <a:ext uri="{FF2B5EF4-FFF2-40B4-BE49-F238E27FC236}">
-                <a16:creationId xmlns:a16="http://schemas.microsoft.com/office/drawing/2014/main" id="{461DF938-F9AC-4CC9-A986-F901297F00EB}"/>
+                <a16:creationId xmlns:a16="http://schemas.microsoft.com/office/drawing/2014/main" id="{A1215BAE-45BB-4CBA-A5CB-EA681DFDE78D}"/>
               </a:ext>
             </a:extLst>
           </p:cNvPr>
@@ -3427,7 +3671,7 @@
     </p:spTree>
     <p:extLst>
       <p:ext uri="{BB962C8B-B14F-4D97-AF65-F5344CB8AC3E}">
-        <p14:creationId xmlns:p14="http://schemas.microsoft.com/office/powerpoint/2010/main" val="3905315344"/>
+        <p14:creationId xmlns:p14="http://schemas.microsoft.com/office/powerpoint/2010/main" val="1942763459"/>
       </p:ext>
     </p:extLst>
   </p:cSld>
@@ -3459,7 +3703,7 @@
           <p:cNvPr id="3" name="그림 2">
             <a:extLst>
               <a:ext uri="{FF2B5EF4-FFF2-40B4-BE49-F238E27FC236}">
-                <a16:creationId xmlns:a16="http://schemas.microsoft.com/office/drawing/2014/main" id="{B8706B8F-80DF-4823-B0CF-CDD9E534FDC8}"/>
+                <a16:creationId xmlns:a16="http://schemas.microsoft.com/office/drawing/2014/main" id="{F9596200-1200-4C08-AA10-7537A8DF240F}"/>
               </a:ext>
             </a:extLst>
           </p:cNvPr>
@@ -3487,7 +3731,7 @@
     </p:spTree>
     <p:extLst>
       <p:ext uri="{BB962C8B-B14F-4D97-AF65-F5344CB8AC3E}">
-        <p14:creationId xmlns:p14="http://schemas.microsoft.com/office/powerpoint/2010/main" val="1470260011"/>
+        <p14:creationId xmlns:p14="http://schemas.microsoft.com/office/powerpoint/2010/main" val="1784481969"/>
       </p:ext>
     </p:extLst>
   </p:cSld>
@@ -3519,7 +3763,7 @@
           <p:cNvPr id="3" name="그림 2">
             <a:extLst>
               <a:ext uri="{FF2B5EF4-FFF2-40B4-BE49-F238E27FC236}">
-                <a16:creationId xmlns:a16="http://schemas.microsoft.com/office/drawing/2014/main" id="{DA373F99-9B68-458F-BFF0-09C1E15D5DE1}"/>
+                <a16:creationId xmlns:a16="http://schemas.microsoft.com/office/drawing/2014/main" id="{54188374-2DA2-4909-92C2-51BAD3062427}"/>
               </a:ext>
             </a:extLst>
           </p:cNvPr>
@@ -3547,7 +3791,7 @@
     </p:spTree>
     <p:extLst>
       <p:ext uri="{BB962C8B-B14F-4D97-AF65-F5344CB8AC3E}">
-        <p14:creationId xmlns:p14="http://schemas.microsoft.com/office/powerpoint/2010/main" val="2335977588"/>
+        <p14:creationId xmlns:p14="http://schemas.microsoft.com/office/powerpoint/2010/main" val="733106792"/>
       </p:ext>
     </p:extLst>
   </p:cSld>
@@ -3576,10 +3820,10 @@
       </p:grpSpPr>
       <p:pic>
         <p:nvPicPr>
-          <p:cNvPr id="3" name="그림 2">
-            <a:extLst>
-              <a:ext uri="{FF2B5EF4-FFF2-40B4-BE49-F238E27FC236}">
-                <a16:creationId xmlns:a16="http://schemas.microsoft.com/office/drawing/2014/main" id="{86422F5B-0736-4342-8AE9-40F7A0F5DAD4}"/>
+          <p:cNvPr id="5" name="그림 4">
+            <a:extLst>
+              <a:ext uri="{FF2B5EF4-FFF2-40B4-BE49-F238E27FC236}">
+                <a16:creationId xmlns:a16="http://schemas.microsoft.com/office/drawing/2014/main" id="{FF7C3492-798F-4E9E-8EBD-1182C34BCA01}"/>
               </a:ext>
             </a:extLst>
           </p:cNvPr>
@@ -3607,7 +3851,7 @@
     </p:spTree>
     <p:extLst>
       <p:ext uri="{BB962C8B-B14F-4D97-AF65-F5344CB8AC3E}">
-        <p14:creationId xmlns:p14="http://schemas.microsoft.com/office/powerpoint/2010/main" val="2991601786"/>
+        <p14:creationId xmlns:p14="http://schemas.microsoft.com/office/powerpoint/2010/main" val="933052050"/>
       </p:ext>
     </p:extLst>
   </p:cSld>
@@ -3639,7 +3883,7 @@
           <p:cNvPr id="3" name="그림 2">
             <a:extLst>
               <a:ext uri="{FF2B5EF4-FFF2-40B4-BE49-F238E27FC236}">
-                <a16:creationId xmlns:a16="http://schemas.microsoft.com/office/drawing/2014/main" id="{01235608-AB65-4D8D-B9C1-0F7A92E97CAF}"/>
+                <a16:creationId xmlns:a16="http://schemas.microsoft.com/office/drawing/2014/main" id="{41E9B0D7-2EC9-4D77-B78C-10F546A82F56}"/>
               </a:ext>
             </a:extLst>
           </p:cNvPr>
@@ -3667,7 +3911,7 @@
     </p:spTree>
     <p:extLst>
       <p:ext uri="{BB962C8B-B14F-4D97-AF65-F5344CB8AC3E}">
-        <p14:creationId xmlns:p14="http://schemas.microsoft.com/office/powerpoint/2010/main" val="2758652656"/>
+        <p14:creationId xmlns:p14="http://schemas.microsoft.com/office/powerpoint/2010/main" val="1607465150"/>
       </p:ext>
     </p:extLst>
   </p:cSld>
@@ -3699,7 +3943,7 @@
           <p:cNvPr id="3" name="그림 2">
             <a:extLst>
               <a:ext uri="{FF2B5EF4-FFF2-40B4-BE49-F238E27FC236}">
-                <a16:creationId xmlns:a16="http://schemas.microsoft.com/office/drawing/2014/main" id="{5BC8CC27-7E07-45C5-9695-33E092E590AD}"/>
+                <a16:creationId xmlns:a16="http://schemas.microsoft.com/office/drawing/2014/main" id="{F33EBC77-E1C1-4E15-A490-0B9D9549C140}"/>
               </a:ext>
             </a:extLst>
           </p:cNvPr>
@@ -3727,7 +3971,7 @@
     </p:spTree>
     <p:extLst>
       <p:ext uri="{BB962C8B-B14F-4D97-AF65-F5344CB8AC3E}">
-        <p14:creationId xmlns:p14="http://schemas.microsoft.com/office/powerpoint/2010/main" val="856323562"/>
+        <p14:creationId xmlns:p14="http://schemas.microsoft.com/office/powerpoint/2010/main" val="2807975815"/>
       </p:ext>
     </p:extLst>
   </p:cSld>
@@ -3759,7 +4003,7 @@
           <p:cNvPr id="3" name="그림 2">
             <a:extLst>
               <a:ext uri="{FF2B5EF4-FFF2-40B4-BE49-F238E27FC236}">
-                <a16:creationId xmlns:a16="http://schemas.microsoft.com/office/drawing/2014/main" id="{57F13BF1-473D-43A4-A7B5-991CC1D5BF97}"/>
+                <a16:creationId xmlns:a16="http://schemas.microsoft.com/office/drawing/2014/main" id="{F0A704B7-4BC1-433D-8CE6-B3175790A027}"/>
               </a:ext>
             </a:extLst>
           </p:cNvPr>
@@ -3787,7 +4031,7 @@
     </p:spTree>
     <p:extLst>
       <p:ext uri="{BB962C8B-B14F-4D97-AF65-F5344CB8AC3E}">
-        <p14:creationId xmlns:p14="http://schemas.microsoft.com/office/powerpoint/2010/main" val="1439083998"/>
+        <p14:creationId xmlns:p14="http://schemas.microsoft.com/office/powerpoint/2010/main" val="4159277179"/>
       </p:ext>
     </p:extLst>
   </p:cSld>
@@ -3819,7 +4063,7 @@
           <p:cNvPr id="3" name="그림 2">
             <a:extLst>
               <a:ext uri="{FF2B5EF4-FFF2-40B4-BE49-F238E27FC236}">
-                <a16:creationId xmlns:a16="http://schemas.microsoft.com/office/drawing/2014/main" id="{66005451-E641-4340-90C3-5281641C3E2D}"/>
+                <a16:creationId xmlns:a16="http://schemas.microsoft.com/office/drawing/2014/main" id="{C93E0319-B46F-4E9D-A2AE-E6E514B442CE}"/>
               </a:ext>
             </a:extLst>
           </p:cNvPr>
@@ -3847,7 +4091,7 @@
     </p:spTree>
     <p:extLst>
       <p:ext uri="{BB962C8B-B14F-4D97-AF65-F5344CB8AC3E}">
-        <p14:creationId xmlns:p14="http://schemas.microsoft.com/office/powerpoint/2010/main" val="1700148570"/>
+        <p14:creationId xmlns:p14="http://schemas.microsoft.com/office/powerpoint/2010/main" val="1264243951"/>
       </p:ext>
     </p:extLst>
   </p:cSld>
